--- a/pyrva.march.2018.pptx
+++ b/pyrva.march.2018.pptx
@@ -5683,7 +5683,7 @@
       </p:grpSpPr>
       <p:sp>
         <p:nvSpPr>
-          <p:cNvPr id="143" name="Token pi-slide"/>
+          <p:cNvPr id="143" name="pi chart"/>
           <p:cNvSpPr txBox="1"/>
           <p:nvPr>
             <p:ph type="title"/>
@@ -5700,7 +5700,7 @@
           <a:p>
             <a:pPr/>
             <a:r>
-              <a:t>Token pi-slide</a:t>
+              <a:t>pi chart</a:t>
             </a:r>
           </a:p>
         </p:txBody>
